--- a/PPT/CSS/05定位.pptx
+++ b/PPT/CSS/05定位.pptx
@@ -120,6 +120,11 @@
       </a:defRPr>
     </a:lvl9pPr>
   </p:defaultTextStyle>
+  <p:extLst>
+    <p:ext uri="{505F2C04-C923-438B-8C0F-E0CD2BADF298}">
+      <wppc:fontMiss xmlns:wppc="http://www.wps.cn/officeDocument/PresentationCustomData" type="true"/>
+    </p:ext>
+  </p:extLst>
 </p:presentation>
 </file>
 
